--- a/Проект.pptx
+++ b/Проект.pptx
@@ -255,7 +255,7 @@
             <a:pPr rtl="0"/>
             <a:fld id="{C89D76DE-1BFB-4BBF-BAAB-13105FF15E81}" type="datetime1">
               <a:rPr lang="uk-UA" smtClean="0"/>
-              <a:t>09.05.2024</a:t>
+              <a:t>24.05.2024</a:t>
             </a:fld>
             <a:endParaRPr lang="uk-UA" dirty="0"/>
           </a:p>
@@ -424,7 +424,7 @@
             <a:fld id="{83F5C74B-9BFF-446B-BA4D-75C07D763D97}" type="datetime1">
               <a:rPr lang="uk-UA" smtClean="0"/>
               <a:pPr/>
-              <a:t>09.05.2024</a:t>
+              <a:t>24.05.2024</a:t>
             </a:fld>
             <a:endParaRPr lang="uk-UA" dirty="0"/>
           </a:p>
@@ -1910,7 +1910,7 @@
             <a:pPr rtl="0"/>
             <a:fld id="{B178C75B-27BA-4E94-9064-5C1D4D309112}" type="datetime1">
               <a:rPr lang="uk-UA" noProof="0" smtClean="0"/>
-              <a:t>09.05.2024</a:t>
+              <a:t>24.05.2024</a:t>
             </a:fld>
             <a:endParaRPr lang="uk-UA" noProof="0"/>
           </a:p>
@@ -2536,7 +2536,7 @@
             <a:pPr rtl="0"/>
             <a:fld id="{F643228A-4125-4B85-8A2D-0CD1D3411FD3}" type="datetime1">
               <a:rPr lang="uk-UA" noProof="0" smtClean="0"/>
-              <a:t>09.05.2024</a:t>
+              <a:t>24.05.2024</a:t>
             </a:fld>
             <a:endParaRPr lang="uk-UA" noProof="0"/>
           </a:p>
@@ -3105,6 +3105,61 @@
           </a:p>
         </p:txBody>
       </p:sp>
+      <p:sp>
+        <p:nvSpPr>
+          <p:cNvPr id="5" name="Прямокутник 4">
+            <a:extLst>
+              <a:ext uri="{FF2B5EF4-FFF2-40B4-BE49-F238E27FC236}">
+                <a16:creationId xmlns:a16="http://schemas.microsoft.com/office/drawing/2014/main" id="{3145DBA4-FD4C-2530-D12F-596D11681C1B}"/>
+              </a:ext>
+            </a:extLst>
+          </p:cNvPr>
+          <p:cNvSpPr/>
+          <p:nvPr/>
+        </p:nvSpPr>
+        <p:spPr>
+          <a:xfrm>
+            <a:off x="7758546" y="4904511"/>
+            <a:ext cx="3777672" cy="406400"/>
+          </a:xfrm>
+          <a:prstGeom prst="rect">
+            <a:avLst/>
+          </a:prstGeom>
+          <a:solidFill>
+            <a:srgbClr val="DD462F"/>
+          </a:solidFill>
+          <a:ln>
+            <a:noFill/>
+          </a:ln>
+        </p:spPr>
+        <p:style>
+          <a:lnRef idx="2">
+            <a:schemeClr val="accent1">
+              <a:shade val="15000"/>
+            </a:schemeClr>
+          </a:lnRef>
+          <a:fillRef idx="1">
+            <a:schemeClr val="accent1"/>
+          </a:fillRef>
+          <a:effectRef idx="0">
+            <a:schemeClr val="accent1"/>
+          </a:effectRef>
+          <a:fontRef idx="minor">
+            <a:schemeClr val="lt1"/>
+          </a:fontRef>
+        </p:style>
+        <p:txBody>
+          <a:bodyPr rtlCol="0" anchor="ctr"/>
+          <a:lstStyle/>
+          <a:p>
+            <a:pPr algn="ctr"/>
+            <a:r>
+              <a:rPr lang="uk-UA" dirty="0"/>
+              <a:t>Виконавець: Остапенко Вячеслав</a:t>
+            </a:r>
+          </a:p>
+        </p:txBody>
+      </p:sp>
     </p:spTree>
     <p:extLst>
       <p:ext uri="{BB962C8B-B14F-4D97-AF65-F5344CB8AC3E}">
@@ -6583,31 +6638,7 @@
                 </a:highlight>
                 <a:latin typeface="montserrat" panose="00000500000000000000" pitchFamily="2" charset="-52"/>
               </a:rPr>
-              <a:t>Рівень щастя у світі після падіння </a:t>
-            </a:r>
-            <a:r>
-              <a:rPr lang="uk-UA" sz="1800" b="1" dirty="0" err="1">
-                <a:solidFill>
-                  <a:srgbClr val="222222"/>
-                </a:solidFill>
-                <a:highlight>
-                  <a:srgbClr val="FFFFFF"/>
-                </a:highlight>
-                <a:latin typeface="montserrat" panose="00000500000000000000" pitchFamily="2" charset="-52"/>
-              </a:rPr>
-              <a:t>уо</a:t>
-            </a:r>
-            <a:r>
-              <a:rPr lang="uk-UA" sz="1800" b="1" dirty="0">
-                <a:solidFill>
-                  <a:srgbClr val="222222"/>
-                </a:solidFill>
-                <a:highlight>
-                  <a:srgbClr val="FFFFFF"/>
-                </a:highlight>
-                <a:latin typeface="montserrat" panose="00000500000000000000" pitchFamily="2" charset="-52"/>
-              </a:rPr>
-              <a:t> 2017 році почав ріст.</a:t>
+              <a:t>Рівень щастя у світі після падіння у 2017 році почав ріст.</a:t>
             </a:r>
           </a:p>
           <a:p>
@@ -6630,7 +6661,7 @@
                 </a:highlight>
                 <a:latin typeface="montserrat" panose="00000500000000000000" pitchFamily="2" charset="-52"/>
               </a:rPr>
-              <a:t>Рівень щастя в Україні мав </a:t>
+              <a:t>Рівень щастя в Україні мав найнижчі показники </a:t>
             </a:r>
             <a:r>
               <a:rPr lang="uk-UA" sz="1800" b="1">
@@ -6642,17 +6673,20 @@
                 </a:highlight>
                 <a:latin typeface="montserrat" panose="00000500000000000000" pitchFamily="2" charset="-52"/>
               </a:rPr>
-              <a:t>найнижчі показники у 201-2018 роках</a:t>
-            </a:r>
-            <a:endParaRPr lang="uk-UA" sz="1800" b="1" dirty="0">
-              <a:solidFill>
-                <a:srgbClr val="222222"/>
-              </a:solidFill>
-              <a:highlight>
-                <a:srgbClr val="FFFFFF"/>
-              </a:highlight>
-              <a:latin typeface="montserrat" panose="00000500000000000000" pitchFamily="2" charset="-52"/>
-            </a:endParaRPr>
+              <a:t>у 2017-2018 </a:t>
+            </a:r>
+            <a:r>
+              <a:rPr lang="uk-UA" sz="1800" b="1" dirty="0">
+                <a:solidFill>
+                  <a:srgbClr val="222222"/>
+                </a:solidFill>
+                <a:highlight>
+                  <a:srgbClr val="FFFFFF"/>
+                </a:highlight>
+                <a:latin typeface="montserrat" panose="00000500000000000000" pitchFamily="2" charset="-52"/>
+              </a:rPr>
+              <a:t>роках</a:t>
+            </a:r>
           </a:p>
         </p:txBody>
       </p:sp>
